--- a/teachings/stats/UPV/images/Presentation1.pptx
+++ b/teachings/stats/UPV/images/Presentation1.pptx
@@ -262,7 +262,7 @@
           <a:p>
             <a:fld id="{4344FE09-F5F8-4BCF-B413-32EEA5D27FC2}" type="datetimeFigureOut">
               <a:rPr lang="en-GB" smtClean="0"/>
-              <a:t>14/10/2022</a:t>
+              <a:t>12/02/2023</a:t>
             </a:fld>
             <a:endParaRPr lang="en-GB"/>
           </a:p>
@@ -462,7 +462,7 @@
           <a:p>
             <a:fld id="{4344FE09-F5F8-4BCF-B413-32EEA5D27FC2}" type="datetimeFigureOut">
               <a:rPr lang="en-GB" smtClean="0"/>
-              <a:t>14/10/2022</a:t>
+              <a:t>12/02/2023</a:t>
             </a:fld>
             <a:endParaRPr lang="en-GB"/>
           </a:p>
@@ -672,7 +672,7 @@
           <a:p>
             <a:fld id="{4344FE09-F5F8-4BCF-B413-32EEA5D27FC2}" type="datetimeFigureOut">
               <a:rPr lang="en-GB" smtClean="0"/>
-              <a:t>14/10/2022</a:t>
+              <a:t>12/02/2023</a:t>
             </a:fld>
             <a:endParaRPr lang="en-GB"/>
           </a:p>
@@ -872,7 +872,7 @@
           <a:p>
             <a:fld id="{4344FE09-F5F8-4BCF-B413-32EEA5D27FC2}" type="datetimeFigureOut">
               <a:rPr lang="en-GB" smtClean="0"/>
-              <a:t>14/10/2022</a:t>
+              <a:t>12/02/2023</a:t>
             </a:fld>
             <a:endParaRPr lang="en-GB"/>
           </a:p>
@@ -1148,7 +1148,7 @@
           <a:p>
             <a:fld id="{4344FE09-F5F8-4BCF-B413-32EEA5D27FC2}" type="datetimeFigureOut">
               <a:rPr lang="en-GB" smtClean="0"/>
-              <a:t>14/10/2022</a:t>
+              <a:t>12/02/2023</a:t>
             </a:fld>
             <a:endParaRPr lang="en-GB"/>
           </a:p>
@@ -1416,7 +1416,7 @@
           <a:p>
             <a:fld id="{4344FE09-F5F8-4BCF-B413-32EEA5D27FC2}" type="datetimeFigureOut">
               <a:rPr lang="en-GB" smtClean="0"/>
-              <a:t>14/10/2022</a:t>
+              <a:t>12/02/2023</a:t>
             </a:fld>
             <a:endParaRPr lang="en-GB"/>
           </a:p>
@@ -1831,7 +1831,7 @@
           <a:p>
             <a:fld id="{4344FE09-F5F8-4BCF-B413-32EEA5D27FC2}" type="datetimeFigureOut">
               <a:rPr lang="en-GB" smtClean="0"/>
-              <a:t>14/10/2022</a:t>
+              <a:t>12/02/2023</a:t>
             </a:fld>
             <a:endParaRPr lang="en-GB"/>
           </a:p>
@@ -1973,7 +1973,7 @@
           <a:p>
             <a:fld id="{4344FE09-F5F8-4BCF-B413-32EEA5D27FC2}" type="datetimeFigureOut">
               <a:rPr lang="en-GB" smtClean="0"/>
-              <a:t>14/10/2022</a:t>
+              <a:t>12/02/2023</a:t>
             </a:fld>
             <a:endParaRPr lang="en-GB"/>
           </a:p>
@@ -2086,7 +2086,7 @@
           <a:p>
             <a:fld id="{4344FE09-F5F8-4BCF-B413-32EEA5D27FC2}" type="datetimeFigureOut">
               <a:rPr lang="en-GB" smtClean="0"/>
-              <a:t>14/10/2022</a:t>
+              <a:t>12/02/2023</a:t>
             </a:fld>
             <a:endParaRPr lang="en-GB"/>
           </a:p>
@@ -2399,7 +2399,7 @@
           <a:p>
             <a:fld id="{4344FE09-F5F8-4BCF-B413-32EEA5D27FC2}" type="datetimeFigureOut">
               <a:rPr lang="en-GB" smtClean="0"/>
-              <a:t>14/10/2022</a:t>
+              <a:t>12/02/2023</a:t>
             </a:fld>
             <a:endParaRPr lang="en-GB"/>
           </a:p>
@@ -2688,7 +2688,7 @@
           <a:p>
             <a:fld id="{4344FE09-F5F8-4BCF-B413-32EEA5D27FC2}" type="datetimeFigureOut">
               <a:rPr lang="en-GB" smtClean="0"/>
-              <a:t>14/10/2022</a:t>
+              <a:t>12/02/2023</a:t>
             </a:fld>
             <a:endParaRPr lang="en-GB"/>
           </a:p>
@@ -2931,7 +2931,7 @@
           <a:p>
             <a:fld id="{4344FE09-F5F8-4BCF-B413-32EEA5D27FC2}" type="datetimeFigureOut">
               <a:rPr lang="en-GB" smtClean="0"/>
-              <a:t>14/10/2022</a:t>
+              <a:t>12/02/2023</a:t>
             </a:fld>
             <a:endParaRPr lang="en-GB"/>
           </a:p>
@@ -3350,166 +3350,10 @@
       </p:grpSpPr>
       <p:sp>
         <p:nvSpPr>
-          <p:cNvPr id="4" name="Oval 3">
-            <a:extLst>
-              <a:ext uri="{FF2B5EF4-FFF2-40B4-BE49-F238E27FC236}">
-                <a16:creationId xmlns:a16="http://schemas.microsoft.com/office/drawing/2014/main" id="{2BE5084F-3ECC-7CAE-EE80-04997776BFBA}"/>
-              </a:ext>
-            </a:extLst>
-          </p:cNvPr>
-          <p:cNvSpPr/>
-          <p:nvPr/>
-        </p:nvSpPr>
-        <p:spPr>
-          <a:xfrm>
-            <a:off x="3657592" y="1838115"/>
-            <a:ext cx="1987421" cy="1987421"/>
-          </a:xfrm>
-          <a:prstGeom prst="ellipse">
-            <a:avLst/>
-          </a:prstGeom>
-          <a:noFill/>
-          <a:ln w="19050">
-            <a:solidFill>
-              <a:schemeClr val="tx1"/>
-            </a:solidFill>
-          </a:ln>
-        </p:spPr>
-        <p:style>
-          <a:lnRef idx="2">
-            <a:schemeClr val="accent1">
-              <a:shade val="50000"/>
-            </a:schemeClr>
-          </a:lnRef>
-          <a:fillRef idx="1">
-            <a:schemeClr val="accent1"/>
-          </a:fillRef>
-          <a:effectRef idx="0">
-            <a:schemeClr val="accent1"/>
-          </a:effectRef>
-          <a:fontRef idx="minor">
-            <a:schemeClr val="lt1"/>
-          </a:fontRef>
-        </p:style>
-        <p:txBody>
-          <a:bodyPr rtlCol="0" anchor="ctr"/>
-          <a:lstStyle/>
-          <a:p>
-            <a:pPr algn="ctr"/>
-            <a:endParaRPr lang="en-GB" dirty="0"/>
-          </a:p>
-        </p:txBody>
-      </p:sp>
-      <p:sp>
-        <p:nvSpPr>
-          <p:cNvPr id="5" name="Oval 4">
-            <a:extLst>
-              <a:ext uri="{FF2B5EF4-FFF2-40B4-BE49-F238E27FC236}">
-                <a16:creationId xmlns:a16="http://schemas.microsoft.com/office/drawing/2014/main" id="{4F4747C5-85D0-7830-2367-CE17BE0D2F13}"/>
-              </a:ext>
-            </a:extLst>
-          </p:cNvPr>
-          <p:cNvSpPr/>
-          <p:nvPr/>
-        </p:nvSpPr>
-        <p:spPr>
-          <a:xfrm>
-            <a:off x="5024542" y="1838115"/>
-            <a:ext cx="1987421" cy="1987421"/>
-          </a:xfrm>
-          <a:prstGeom prst="ellipse">
-            <a:avLst/>
-          </a:prstGeom>
-          <a:noFill/>
-          <a:ln w="19050">
-            <a:solidFill>
-              <a:schemeClr val="tx1"/>
-            </a:solidFill>
-          </a:ln>
-        </p:spPr>
-        <p:style>
-          <a:lnRef idx="2">
-            <a:schemeClr val="accent1">
-              <a:shade val="50000"/>
-            </a:schemeClr>
-          </a:lnRef>
-          <a:fillRef idx="1">
-            <a:schemeClr val="accent1"/>
-          </a:fillRef>
-          <a:effectRef idx="0">
-            <a:schemeClr val="accent1"/>
-          </a:effectRef>
-          <a:fontRef idx="minor">
-            <a:schemeClr val="lt1"/>
-          </a:fontRef>
-        </p:style>
-        <p:txBody>
-          <a:bodyPr rtlCol="0" anchor="ctr"/>
-          <a:lstStyle/>
-          <a:p>
-            <a:pPr algn="ctr"/>
-            <a:endParaRPr lang="en-GB" dirty="0"/>
-          </a:p>
-        </p:txBody>
-      </p:sp>
-      <p:sp>
-        <p:nvSpPr>
-          <p:cNvPr id="6" name="Oval 5">
-            <a:extLst>
-              <a:ext uri="{FF2B5EF4-FFF2-40B4-BE49-F238E27FC236}">
-                <a16:creationId xmlns:a16="http://schemas.microsoft.com/office/drawing/2014/main" id="{6D873CFA-D2A6-EF71-EE08-6CA3584E4ACA}"/>
-              </a:ext>
-            </a:extLst>
-          </p:cNvPr>
-          <p:cNvSpPr/>
-          <p:nvPr/>
-        </p:nvSpPr>
-        <p:spPr>
-          <a:xfrm>
-            <a:off x="4341066" y="621451"/>
-            <a:ext cx="1987421" cy="1987421"/>
-          </a:xfrm>
-          <a:prstGeom prst="ellipse">
-            <a:avLst/>
-          </a:prstGeom>
-          <a:noFill/>
-          <a:ln w="19050">
-            <a:solidFill>
-              <a:schemeClr val="tx1"/>
-            </a:solidFill>
-          </a:ln>
-        </p:spPr>
-        <p:style>
-          <a:lnRef idx="2">
-            <a:schemeClr val="accent1">
-              <a:shade val="50000"/>
-            </a:schemeClr>
-          </a:lnRef>
-          <a:fillRef idx="1">
-            <a:schemeClr val="accent1"/>
-          </a:fillRef>
-          <a:effectRef idx="0">
-            <a:schemeClr val="accent1"/>
-          </a:effectRef>
-          <a:fontRef idx="minor">
-            <a:schemeClr val="lt1"/>
-          </a:fontRef>
-        </p:style>
-        <p:txBody>
-          <a:bodyPr rtlCol="0" anchor="ctr"/>
-          <a:lstStyle/>
-          <a:p>
-            <a:pPr algn="ctr"/>
-            <a:endParaRPr lang="en-GB" dirty="0"/>
-          </a:p>
-        </p:txBody>
-      </p:sp>
-      <p:sp>
-        <p:nvSpPr>
-          <p:cNvPr id="8" name="TextBox 7">
-            <a:extLst>
-              <a:ext uri="{FF2B5EF4-FFF2-40B4-BE49-F238E27FC236}">
-                <a16:creationId xmlns:a16="http://schemas.microsoft.com/office/drawing/2014/main" id="{093D649C-1A33-A281-0EF7-734CB1FE5051}"/>
+          <p:cNvPr id="11" name="TextBox 10">
+            <a:extLst>
+              <a:ext uri="{FF2B5EF4-FFF2-40B4-BE49-F238E27FC236}">
+                <a16:creationId xmlns:a16="http://schemas.microsoft.com/office/drawing/2014/main" id="{D0DDF8EB-FC61-B2C3-BB61-D7F2D10C8599}"/>
               </a:ext>
             </a:extLst>
           </p:cNvPr>
@@ -3518,8 +3362,8 @@
         </p:nvSpPr>
         <p:spPr>
           <a:xfrm>
-            <a:off x="4470002" y="2600992"/>
-            <a:ext cx="362600" cy="461665"/>
+            <a:off x="6407532" y="818092"/>
+            <a:ext cx="1353127" cy="400110"/>
           </a:xfrm>
           <a:prstGeom prst="rect">
             <a:avLst/>
@@ -3533,18 +3377,18 @@
           <a:lstStyle/>
           <a:p>
             <a:r>
-              <a:rPr lang="en-GB" sz="2400" dirty="0"/>
-              <a:t>B</a:t>
-            </a:r>
-          </a:p>
-        </p:txBody>
-      </p:sp>
-      <p:sp>
-        <p:nvSpPr>
-          <p:cNvPr id="9" name="TextBox 8">
-            <a:extLst>
-              <a:ext uri="{FF2B5EF4-FFF2-40B4-BE49-F238E27FC236}">
-                <a16:creationId xmlns:a16="http://schemas.microsoft.com/office/drawing/2014/main" id="{26CD39D3-A71A-0D95-1A03-FE54597C2788}"/>
+              <a:rPr lang="en-GB" sz="2000" dirty="0"/>
+              <a:t>conformity</a:t>
+            </a:r>
+          </a:p>
+        </p:txBody>
+      </p:sp>
+      <p:sp>
+        <p:nvSpPr>
+          <p:cNvPr id="21" name="TextBox 20">
+            <a:extLst>
+              <a:ext uri="{FF2B5EF4-FFF2-40B4-BE49-F238E27FC236}">
+                <a16:creationId xmlns:a16="http://schemas.microsoft.com/office/drawing/2014/main" id="{97716FAE-61F4-8E60-CED0-233DD77B6164}"/>
               </a:ext>
             </a:extLst>
           </p:cNvPr>
@@ -3553,8 +3397,8 @@
         </p:nvSpPr>
         <p:spPr>
           <a:xfrm>
-            <a:off x="5920311" y="2600992"/>
-            <a:ext cx="351378" cy="461665"/>
+            <a:off x="2766621" y="3425426"/>
+            <a:ext cx="1268296" cy="400110"/>
           </a:xfrm>
           <a:prstGeom prst="rect">
             <a:avLst/>
@@ -3568,280 +3412,9 @@
           <a:lstStyle/>
           <a:p>
             <a:r>
-              <a:rPr lang="en-GB" sz="2400" dirty="0"/>
-              <a:t>C</a:t>
-            </a:r>
-          </a:p>
-        </p:txBody>
-      </p:sp>
-      <p:sp>
-        <p:nvSpPr>
-          <p:cNvPr id="10" name="TextBox 9">
-            <a:extLst>
-              <a:ext uri="{FF2B5EF4-FFF2-40B4-BE49-F238E27FC236}">
-                <a16:creationId xmlns:a16="http://schemas.microsoft.com/office/drawing/2014/main" id="{729864BD-26E8-A1FC-793F-6B8E0FE3158C}"/>
-              </a:ext>
-            </a:extLst>
-          </p:cNvPr>
-          <p:cNvSpPr txBox="1"/>
-          <p:nvPr/>
-        </p:nvSpPr>
-        <p:spPr>
-          <a:xfrm>
-            <a:off x="5159087" y="1290058"/>
-            <a:ext cx="362600" cy="461665"/>
-          </a:xfrm>
-          <a:prstGeom prst="rect">
-            <a:avLst/>
-          </a:prstGeom>
-          <a:noFill/>
-        </p:spPr>
-        <p:txBody>
-          <a:bodyPr wrap="none" rtlCol="0">
-            <a:spAutoFit/>
-          </a:bodyPr>
-          <a:lstStyle/>
-          <a:p>
-            <a:r>
-              <a:rPr lang="en-GB" sz="2400" dirty="0"/>
-              <a:t>A</a:t>
-            </a:r>
-          </a:p>
-        </p:txBody>
-      </p:sp>
-      <p:sp>
-        <p:nvSpPr>
-          <p:cNvPr id="11" name="TextBox 10">
-            <a:extLst>
-              <a:ext uri="{FF2B5EF4-FFF2-40B4-BE49-F238E27FC236}">
-                <a16:creationId xmlns:a16="http://schemas.microsoft.com/office/drawing/2014/main" id="{D0DDF8EB-FC61-B2C3-BB61-D7F2D10C8599}"/>
-              </a:ext>
-            </a:extLst>
-          </p:cNvPr>
-          <p:cNvSpPr txBox="1"/>
-          <p:nvPr/>
-        </p:nvSpPr>
-        <p:spPr>
-          <a:xfrm>
-            <a:off x="6407532" y="818092"/>
-            <a:ext cx="1353127" cy="400110"/>
-          </a:xfrm>
-          <a:prstGeom prst="rect">
-            <a:avLst/>
-          </a:prstGeom>
-          <a:noFill/>
-        </p:spPr>
-        <p:txBody>
-          <a:bodyPr wrap="none" rtlCol="0">
-            <a:spAutoFit/>
-          </a:bodyPr>
-          <a:lstStyle/>
-          <a:p>
-            <a:r>
-              <a:rPr lang="en-GB" sz="2000" dirty="0"/>
-              <a:t>conformity</a:t>
-            </a:r>
-          </a:p>
-        </p:txBody>
-      </p:sp>
-      <p:sp>
-        <p:nvSpPr>
-          <p:cNvPr id="18" name="Oval 17">
-            <a:extLst>
-              <a:ext uri="{FF2B5EF4-FFF2-40B4-BE49-F238E27FC236}">
-                <a16:creationId xmlns:a16="http://schemas.microsoft.com/office/drawing/2014/main" id="{4A103F92-B3CA-0506-D033-91CC519ED06C}"/>
-              </a:ext>
-            </a:extLst>
-          </p:cNvPr>
-          <p:cNvSpPr/>
-          <p:nvPr/>
-        </p:nvSpPr>
-        <p:spPr>
-          <a:xfrm>
-            <a:off x="5262606" y="2348160"/>
-            <a:ext cx="144339" cy="144339"/>
-          </a:xfrm>
-          <a:prstGeom prst="ellipse">
-            <a:avLst/>
-          </a:prstGeom>
-          <a:solidFill>
-            <a:schemeClr val="tx1"/>
-          </a:solidFill>
-          <a:ln w="38100">
-            <a:solidFill>
-              <a:schemeClr val="tx1"/>
-            </a:solidFill>
-          </a:ln>
-        </p:spPr>
-        <p:style>
-          <a:lnRef idx="2">
-            <a:schemeClr val="accent1">
-              <a:shade val="50000"/>
-            </a:schemeClr>
-          </a:lnRef>
-          <a:fillRef idx="1">
-            <a:schemeClr val="accent1"/>
-          </a:fillRef>
-          <a:effectRef idx="0">
-            <a:schemeClr val="accent1"/>
-          </a:effectRef>
-          <a:fontRef idx="minor">
-            <a:schemeClr val="lt1"/>
-          </a:fontRef>
-        </p:style>
-        <p:txBody>
-          <a:bodyPr rtlCol="0" anchor="ctr"/>
-          <a:lstStyle/>
-          <a:p>
-            <a:pPr algn="ctr"/>
-            <a:endParaRPr lang="en-GB"/>
-          </a:p>
-        </p:txBody>
-      </p:sp>
-      <p:sp>
-        <p:nvSpPr>
-          <p:cNvPr id="19" name="Oval 18">
-            <a:extLst>
-              <a:ext uri="{FF2B5EF4-FFF2-40B4-BE49-F238E27FC236}">
-                <a16:creationId xmlns:a16="http://schemas.microsoft.com/office/drawing/2014/main" id="{E80339DD-2AF9-2CD9-EDBE-3739ED757833}"/>
-              </a:ext>
-            </a:extLst>
-          </p:cNvPr>
-          <p:cNvSpPr/>
-          <p:nvPr/>
-        </p:nvSpPr>
-        <p:spPr>
-          <a:xfrm>
-            <a:off x="4325663" y="3170428"/>
-            <a:ext cx="144339" cy="145782"/>
-          </a:xfrm>
-          <a:prstGeom prst="ellipse">
-            <a:avLst/>
-          </a:prstGeom>
-          <a:solidFill>
-            <a:schemeClr val="bg1">
-              <a:lumMod val="95000"/>
-            </a:schemeClr>
-          </a:solidFill>
-          <a:ln w="38100">
-            <a:solidFill>
-              <a:schemeClr val="tx1"/>
-            </a:solidFill>
-          </a:ln>
-        </p:spPr>
-        <p:style>
-          <a:lnRef idx="2">
-            <a:schemeClr val="accent1">
-              <a:shade val="50000"/>
-            </a:schemeClr>
-          </a:lnRef>
-          <a:fillRef idx="1">
-            <a:schemeClr val="accent1"/>
-          </a:fillRef>
-          <a:effectRef idx="0">
-            <a:schemeClr val="accent1"/>
-          </a:effectRef>
-          <a:fontRef idx="minor">
-            <a:schemeClr val="lt1"/>
-          </a:fontRef>
-        </p:style>
-        <p:txBody>
-          <a:bodyPr rtlCol="0" anchor="ctr"/>
-          <a:lstStyle/>
-          <a:p>
-            <a:pPr algn="ctr"/>
-            <a:endParaRPr lang="en-GB"/>
-          </a:p>
-        </p:txBody>
-      </p:sp>
-      <p:sp>
-        <p:nvSpPr>
-          <p:cNvPr id="21" name="TextBox 20">
-            <a:extLst>
-              <a:ext uri="{FF2B5EF4-FFF2-40B4-BE49-F238E27FC236}">
-                <a16:creationId xmlns:a16="http://schemas.microsoft.com/office/drawing/2014/main" id="{97716FAE-61F4-8E60-CED0-233DD77B6164}"/>
-              </a:ext>
-            </a:extLst>
-          </p:cNvPr>
-          <p:cNvSpPr txBox="1"/>
-          <p:nvPr/>
-        </p:nvSpPr>
-        <p:spPr>
-          <a:xfrm>
-            <a:off x="2766621" y="3425426"/>
-            <a:ext cx="1268296" cy="400110"/>
-          </a:xfrm>
-          <a:prstGeom prst="rect">
-            <a:avLst/>
-          </a:prstGeom>
-          <a:noFill/>
-        </p:spPr>
-        <p:txBody>
-          <a:bodyPr wrap="none" rtlCol="0">
-            <a:spAutoFit/>
-          </a:bodyPr>
-          <a:lstStyle/>
-          <a:p>
-            <a:r>
               <a:rPr lang="en-GB" sz="2000" dirty="0"/>
               <a:t>singularity</a:t>
             </a:r>
-          </a:p>
-        </p:txBody>
-      </p:sp>
-      <p:sp>
-        <p:nvSpPr>
-          <p:cNvPr id="36" name="Oval 35">
-            <a:extLst>
-              <a:ext uri="{FF2B5EF4-FFF2-40B4-BE49-F238E27FC236}">
-                <a16:creationId xmlns:a16="http://schemas.microsoft.com/office/drawing/2014/main" id="{88ADD781-39D1-E0A2-55A0-02A132B64CD9}"/>
-              </a:ext>
-            </a:extLst>
-          </p:cNvPr>
-          <p:cNvSpPr/>
-          <p:nvPr/>
-        </p:nvSpPr>
-        <p:spPr>
-          <a:xfrm>
-            <a:off x="5755148" y="2127844"/>
-            <a:ext cx="144339" cy="144339"/>
-          </a:xfrm>
-          <a:prstGeom prst="ellipse">
-            <a:avLst/>
-          </a:prstGeom>
-          <a:solidFill>
-            <a:schemeClr val="bg1">
-              <a:lumMod val="65000"/>
-            </a:schemeClr>
-          </a:solidFill>
-          <a:ln w="38100">
-            <a:solidFill>
-              <a:schemeClr val="tx1"/>
-            </a:solidFill>
-          </a:ln>
-        </p:spPr>
-        <p:style>
-          <a:lnRef idx="2">
-            <a:schemeClr val="accent1">
-              <a:shade val="50000"/>
-            </a:schemeClr>
-          </a:lnRef>
-          <a:fillRef idx="1">
-            <a:schemeClr val="accent1"/>
-          </a:fillRef>
-          <a:effectRef idx="0">
-            <a:schemeClr val="accent1"/>
-          </a:effectRef>
-          <a:fontRef idx="minor">
-            <a:schemeClr val="lt1"/>
-          </a:fontRef>
-        </p:style>
-        <p:txBody>
-          <a:bodyPr rtlCol="0" anchor="ctr"/>
-          <a:lstStyle/>
-          <a:p>
-            <a:pPr algn="ctr"/>
-            <a:endParaRPr lang="en-GB"/>
           </a:p>
         </p:txBody>
       </p:sp>
@@ -3855,15 +3428,16 @@
             </a:extLst>
           </p:cNvPr>
           <p:cNvCxnSpPr>
+            <a:cxnSpLocks/>
             <a:stCxn id="11" idx="1"/>
-            <a:endCxn id="36" idx="0"/>
+            <a:endCxn id="33" idx="0"/>
           </p:cNvCxnSpPr>
           <p:nvPr/>
         </p:nvCxnSpPr>
         <p:spPr>
           <a:xfrm rot="10800000" flipV="1">
-            <a:off x="5827318" y="1018146"/>
-            <a:ext cx="580214" cy="1109697"/>
+            <a:off x="5834156" y="1018146"/>
+            <a:ext cx="573376" cy="970573"/>
           </a:xfrm>
           <a:prstGeom prst="bentConnector2">
             <a:avLst/>
@@ -3902,19 +3476,17 @@
           <p:cNvCxnSpPr>
             <a:cxnSpLocks/>
             <a:stCxn id="21" idx="0"/>
-            <a:endCxn id="19" idx="1"/>
+            <a:endCxn id="41" idx="1"/>
           </p:cNvCxnSpPr>
           <p:nvPr/>
         </p:nvCxnSpPr>
         <p:spPr>
           <a:xfrm rot="5400000" flipH="1" flipV="1">
-            <a:off x="3756961" y="2835586"/>
-            <a:ext cx="233649" cy="946032"/>
-          </a:xfrm>
-          <a:prstGeom prst="bentConnector3">
-            <a:avLst>
-              <a:gd name="adj1" fmla="val 79185"/>
-            </a:avLst>
+            <a:off x="3314405" y="2918188"/>
+            <a:ext cx="593602" cy="420874"/>
+          </a:xfrm>
+          <a:prstGeom prst="bentConnector2">
+            <a:avLst/>
           </a:prstGeom>
           <a:ln>
             <a:solidFill>
@@ -3985,20 +3557,17 @@
           <p:cNvCxnSpPr>
             <a:cxnSpLocks/>
             <a:stCxn id="44" idx="3"/>
-            <a:endCxn id="18" idx="4"/>
+            <a:endCxn id="42" idx="0"/>
           </p:cNvCxnSpPr>
           <p:nvPr/>
         </p:nvCxnSpPr>
         <p:spPr>
           <a:xfrm>
             <a:off x="3843651" y="1794919"/>
-            <a:ext cx="1491125" cy="697580"/>
-          </a:xfrm>
-          <a:prstGeom prst="bentConnector4">
-            <a:avLst>
-              <a:gd name="adj1" fmla="val 47580"/>
-              <a:gd name="adj2" fmla="val 351"/>
-            </a:avLst>
+            <a:ext cx="1502299" cy="389306"/>
+          </a:xfrm>
+          <a:prstGeom prst="bentConnector2">
+            <a:avLst/>
           </a:prstGeom>
           <a:ln>
             <a:solidFill>
@@ -4022,6 +3591,676 @@
           </a:fontRef>
         </p:style>
       </p:cxnSp>
+      <p:sp>
+        <p:nvSpPr>
+          <p:cNvPr id="26" name="Oval 25">
+            <a:extLst>
+              <a:ext uri="{FF2B5EF4-FFF2-40B4-BE49-F238E27FC236}">
+                <a16:creationId xmlns:a16="http://schemas.microsoft.com/office/drawing/2014/main" id="{73265814-6D68-4E78-5FC1-BF78070CAE65}"/>
+              </a:ext>
+            </a:extLst>
+          </p:cNvPr>
+          <p:cNvSpPr/>
+          <p:nvPr/>
+        </p:nvSpPr>
+        <p:spPr>
+          <a:xfrm>
+            <a:off x="3657592" y="1838115"/>
+            <a:ext cx="1987421" cy="1987421"/>
+          </a:xfrm>
+          <a:prstGeom prst="ellipse">
+            <a:avLst/>
+          </a:prstGeom>
+          <a:noFill/>
+          <a:ln w="19050">
+            <a:solidFill>
+              <a:srgbClr val="FF0000"/>
+            </a:solidFill>
+          </a:ln>
+        </p:spPr>
+        <p:style>
+          <a:lnRef idx="2">
+            <a:schemeClr val="accent1">
+              <a:shade val="50000"/>
+            </a:schemeClr>
+          </a:lnRef>
+          <a:fillRef idx="1">
+            <a:schemeClr val="accent1"/>
+          </a:fillRef>
+          <a:effectRef idx="0">
+            <a:schemeClr val="accent1"/>
+          </a:effectRef>
+          <a:fontRef idx="minor">
+            <a:schemeClr val="lt1"/>
+          </a:fontRef>
+        </p:style>
+        <p:txBody>
+          <a:bodyPr rtlCol="0" anchor="ctr"/>
+          <a:lstStyle/>
+          <a:p>
+            <a:pPr algn="ctr"/>
+            <a:endParaRPr lang="en-GB" dirty="0">
+              <a:solidFill>
+                <a:srgbClr val="FF0000"/>
+              </a:solidFill>
+            </a:endParaRPr>
+          </a:p>
+        </p:txBody>
+      </p:sp>
+      <p:sp>
+        <p:nvSpPr>
+          <p:cNvPr id="27" name="Oval 26">
+            <a:extLst>
+              <a:ext uri="{FF2B5EF4-FFF2-40B4-BE49-F238E27FC236}">
+                <a16:creationId xmlns:a16="http://schemas.microsoft.com/office/drawing/2014/main" id="{7FB852A8-BEB6-1D13-8E9B-595C22F0D18C}"/>
+              </a:ext>
+            </a:extLst>
+          </p:cNvPr>
+          <p:cNvSpPr/>
+          <p:nvPr/>
+        </p:nvSpPr>
+        <p:spPr>
+          <a:xfrm>
+            <a:off x="5024542" y="1838115"/>
+            <a:ext cx="1987421" cy="1987421"/>
+          </a:xfrm>
+          <a:prstGeom prst="ellipse">
+            <a:avLst/>
+          </a:prstGeom>
+          <a:noFill/>
+          <a:ln w="19050">
+            <a:solidFill>
+              <a:schemeClr val="accent6"/>
+            </a:solidFill>
+          </a:ln>
+        </p:spPr>
+        <p:style>
+          <a:lnRef idx="2">
+            <a:schemeClr val="accent1">
+              <a:shade val="50000"/>
+            </a:schemeClr>
+          </a:lnRef>
+          <a:fillRef idx="1">
+            <a:schemeClr val="accent1"/>
+          </a:fillRef>
+          <a:effectRef idx="0">
+            <a:schemeClr val="accent1"/>
+          </a:effectRef>
+          <a:fontRef idx="minor">
+            <a:schemeClr val="lt1"/>
+          </a:fontRef>
+        </p:style>
+        <p:txBody>
+          <a:bodyPr rtlCol="0" anchor="ctr"/>
+          <a:lstStyle/>
+          <a:p>
+            <a:pPr algn="ctr"/>
+            <a:endParaRPr lang="en-GB" dirty="0"/>
+          </a:p>
+        </p:txBody>
+      </p:sp>
+      <p:sp>
+        <p:nvSpPr>
+          <p:cNvPr id="28" name="Oval 27">
+            <a:extLst>
+              <a:ext uri="{FF2B5EF4-FFF2-40B4-BE49-F238E27FC236}">
+                <a16:creationId xmlns:a16="http://schemas.microsoft.com/office/drawing/2014/main" id="{6E5187BF-1F01-3D3F-1BB3-D5E074D1DB04}"/>
+              </a:ext>
+            </a:extLst>
+          </p:cNvPr>
+          <p:cNvSpPr/>
+          <p:nvPr/>
+        </p:nvSpPr>
+        <p:spPr>
+          <a:xfrm>
+            <a:off x="4341066" y="621451"/>
+            <a:ext cx="1987421" cy="1987421"/>
+          </a:xfrm>
+          <a:prstGeom prst="ellipse">
+            <a:avLst/>
+          </a:prstGeom>
+          <a:noFill/>
+          <a:ln w="19050">
+            <a:solidFill>
+              <a:schemeClr val="accent1"/>
+            </a:solidFill>
+          </a:ln>
+        </p:spPr>
+        <p:style>
+          <a:lnRef idx="2">
+            <a:schemeClr val="accent1">
+              <a:shade val="50000"/>
+            </a:schemeClr>
+          </a:lnRef>
+          <a:fillRef idx="1">
+            <a:schemeClr val="accent1"/>
+          </a:fillRef>
+          <a:effectRef idx="0">
+            <a:schemeClr val="accent1"/>
+          </a:effectRef>
+          <a:fontRef idx="minor">
+            <a:schemeClr val="lt1"/>
+          </a:fontRef>
+        </p:style>
+        <p:txBody>
+          <a:bodyPr rtlCol="0" anchor="ctr"/>
+          <a:lstStyle/>
+          <a:p>
+            <a:pPr algn="ctr"/>
+            <a:endParaRPr lang="en-GB" dirty="0"/>
+          </a:p>
+        </p:txBody>
+      </p:sp>
+      <p:sp>
+        <p:nvSpPr>
+          <p:cNvPr id="29" name="TextBox 28">
+            <a:extLst>
+              <a:ext uri="{FF2B5EF4-FFF2-40B4-BE49-F238E27FC236}">
+                <a16:creationId xmlns:a16="http://schemas.microsoft.com/office/drawing/2014/main" id="{93DFD31A-F237-6B25-3F99-0E4F07724819}"/>
+              </a:ext>
+            </a:extLst>
+          </p:cNvPr>
+          <p:cNvSpPr txBox="1"/>
+          <p:nvPr/>
+        </p:nvSpPr>
+        <p:spPr>
+          <a:xfrm>
+            <a:off x="4470002" y="2600992"/>
+            <a:ext cx="362600" cy="461665"/>
+          </a:xfrm>
+          <a:prstGeom prst="rect">
+            <a:avLst/>
+          </a:prstGeom>
+          <a:noFill/>
+        </p:spPr>
+        <p:txBody>
+          <a:bodyPr wrap="none" rtlCol="0">
+            <a:spAutoFit/>
+          </a:bodyPr>
+          <a:lstStyle/>
+          <a:p>
+            <a:r>
+              <a:rPr lang="en-GB" sz="2400" dirty="0">
+                <a:solidFill>
+                  <a:srgbClr val="FF0000"/>
+                </a:solidFill>
+              </a:rPr>
+              <a:t>B</a:t>
+            </a:r>
+          </a:p>
+        </p:txBody>
+      </p:sp>
+      <p:sp>
+        <p:nvSpPr>
+          <p:cNvPr id="30" name="TextBox 29">
+            <a:extLst>
+              <a:ext uri="{FF2B5EF4-FFF2-40B4-BE49-F238E27FC236}">
+                <a16:creationId xmlns:a16="http://schemas.microsoft.com/office/drawing/2014/main" id="{06DD782E-DD1F-E368-DB49-AE0CBFADB2B9}"/>
+              </a:ext>
+            </a:extLst>
+          </p:cNvPr>
+          <p:cNvSpPr txBox="1"/>
+          <p:nvPr/>
+        </p:nvSpPr>
+        <p:spPr>
+          <a:xfrm>
+            <a:off x="5920311" y="2600992"/>
+            <a:ext cx="351378" cy="461665"/>
+          </a:xfrm>
+          <a:prstGeom prst="rect">
+            <a:avLst/>
+          </a:prstGeom>
+          <a:noFill/>
+        </p:spPr>
+        <p:txBody>
+          <a:bodyPr wrap="none" rtlCol="0">
+            <a:spAutoFit/>
+          </a:bodyPr>
+          <a:lstStyle/>
+          <a:p>
+            <a:r>
+              <a:rPr lang="en-GB" sz="2400" dirty="0">
+                <a:solidFill>
+                  <a:schemeClr val="accent6"/>
+                </a:solidFill>
+              </a:rPr>
+              <a:t>C</a:t>
+            </a:r>
+          </a:p>
+        </p:txBody>
+      </p:sp>
+      <p:sp>
+        <p:nvSpPr>
+          <p:cNvPr id="31" name="TextBox 30">
+            <a:extLst>
+              <a:ext uri="{FF2B5EF4-FFF2-40B4-BE49-F238E27FC236}">
+                <a16:creationId xmlns:a16="http://schemas.microsoft.com/office/drawing/2014/main" id="{DD9A826D-C3B5-766B-DD8B-05CCB9E3634E}"/>
+              </a:ext>
+            </a:extLst>
+          </p:cNvPr>
+          <p:cNvSpPr txBox="1"/>
+          <p:nvPr/>
+        </p:nvSpPr>
+        <p:spPr>
+          <a:xfrm>
+            <a:off x="5159087" y="1290058"/>
+            <a:ext cx="362600" cy="461665"/>
+          </a:xfrm>
+          <a:prstGeom prst="rect">
+            <a:avLst/>
+          </a:prstGeom>
+          <a:noFill/>
+          <a:ln>
+            <a:noFill/>
+          </a:ln>
+        </p:spPr>
+        <p:txBody>
+          <a:bodyPr wrap="none" rtlCol="0">
+            <a:spAutoFit/>
+          </a:bodyPr>
+          <a:lstStyle/>
+          <a:p>
+            <a:r>
+              <a:rPr lang="en-GB" sz="2400" dirty="0">
+                <a:solidFill>
+                  <a:schemeClr val="accent5"/>
+                </a:solidFill>
+              </a:rPr>
+              <a:t>A</a:t>
+            </a:r>
+          </a:p>
+        </p:txBody>
+      </p:sp>
+      <p:sp>
+        <p:nvSpPr>
+          <p:cNvPr id="32" name="TextBox 31">
+            <a:extLst>
+              <a:ext uri="{FF2B5EF4-FFF2-40B4-BE49-F238E27FC236}">
+                <a16:creationId xmlns:a16="http://schemas.microsoft.com/office/drawing/2014/main" id="{7868CBB9-7AC6-0096-0272-386DB286542A}"/>
+              </a:ext>
+            </a:extLst>
+          </p:cNvPr>
+          <p:cNvSpPr txBox="1"/>
+          <p:nvPr/>
+        </p:nvSpPr>
+        <p:spPr>
+          <a:xfrm>
+            <a:off x="5079536" y="791954"/>
+            <a:ext cx="498679" cy="369332"/>
+          </a:xfrm>
+          <a:prstGeom prst="rect">
+            <a:avLst/>
+          </a:prstGeom>
+          <a:noFill/>
+        </p:spPr>
+        <p:txBody>
+          <a:bodyPr wrap="square">
+            <a:spAutoFit/>
+          </a:bodyPr>
+          <a:lstStyle/>
+          <a:p>
+            <a:pPr algn="l" fontAlgn="base"/>
+            <a:r>
+              <a:rPr lang="en-GB" b="0" i="0" dirty="0">
+                <a:solidFill>
+                  <a:srgbClr val="000000"/>
+                </a:solidFill>
+                <a:effectLst/>
+                <a:latin typeface="Apple Color Emoji"/>
+              </a:rPr>
+              <a:t>🏢</a:t>
+            </a:r>
+            <a:endParaRPr lang="en-GB" b="1" i="0" dirty="0">
+              <a:solidFill>
+                <a:srgbClr val="000000"/>
+              </a:solidFill>
+              <a:effectLst/>
+              <a:latin typeface="Helvetica Neue"/>
+            </a:endParaRPr>
+          </a:p>
+        </p:txBody>
+      </p:sp>
+      <p:sp>
+        <p:nvSpPr>
+          <p:cNvPr id="33" name="TextBox 32">
+            <a:extLst>
+              <a:ext uri="{FF2B5EF4-FFF2-40B4-BE49-F238E27FC236}">
+                <a16:creationId xmlns:a16="http://schemas.microsoft.com/office/drawing/2014/main" id="{13E891F9-FB3F-2A55-58F2-7E616DA67DB8}"/>
+              </a:ext>
+            </a:extLst>
+          </p:cNvPr>
+          <p:cNvSpPr txBox="1"/>
+          <p:nvPr/>
+        </p:nvSpPr>
+        <p:spPr>
+          <a:xfrm>
+            <a:off x="5595059" y="1988720"/>
+            <a:ext cx="478193" cy="369332"/>
+          </a:xfrm>
+          <a:prstGeom prst="rect">
+            <a:avLst/>
+          </a:prstGeom>
+          <a:noFill/>
+        </p:spPr>
+        <p:txBody>
+          <a:bodyPr wrap="square">
+            <a:spAutoFit/>
+          </a:bodyPr>
+          <a:lstStyle/>
+          <a:p>
+            <a:r>
+              <a:rPr lang="en-GB" b="0" i="0" dirty="0">
+                <a:solidFill>
+                  <a:srgbClr val="000000"/>
+                </a:solidFill>
+                <a:effectLst/>
+                <a:latin typeface="Apple Color Emoji"/>
+              </a:rPr>
+              <a:t>🏦</a:t>
+            </a:r>
+            <a:endParaRPr lang="en-GB" dirty="0"/>
+          </a:p>
+        </p:txBody>
+      </p:sp>
+      <p:sp>
+        <p:nvSpPr>
+          <p:cNvPr id="34" name="TextBox 33">
+            <a:extLst>
+              <a:ext uri="{FF2B5EF4-FFF2-40B4-BE49-F238E27FC236}">
+                <a16:creationId xmlns:a16="http://schemas.microsoft.com/office/drawing/2014/main" id="{D757D2E1-8A73-9611-79E2-0FF5C914B870}"/>
+              </a:ext>
+            </a:extLst>
+          </p:cNvPr>
+          <p:cNvSpPr txBox="1"/>
+          <p:nvPr/>
+        </p:nvSpPr>
+        <p:spPr>
+          <a:xfrm>
+            <a:off x="4554145" y="1914436"/>
+            <a:ext cx="468863" cy="369332"/>
+          </a:xfrm>
+          <a:prstGeom prst="rect">
+            <a:avLst/>
+          </a:prstGeom>
+          <a:noFill/>
+        </p:spPr>
+        <p:txBody>
+          <a:bodyPr wrap="square">
+            <a:spAutoFit/>
+          </a:bodyPr>
+          <a:lstStyle/>
+          <a:p>
+            <a:pPr algn="l" fontAlgn="base"/>
+            <a:r>
+              <a:rPr lang="en-GB" b="0" i="0" dirty="0">
+                <a:solidFill>
+                  <a:srgbClr val="000000"/>
+                </a:solidFill>
+                <a:effectLst/>
+                <a:latin typeface="Apple Color Emoji"/>
+              </a:rPr>
+              <a:t>🏤</a:t>
+            </a:r>
+            <a:endParaRPr lang="en-GB" b="1" i="0" dirty="0">
+              <a:solidFill>
+                <a:srgbClr val="000000"/>
+              </a:solidFill>
+              <a:effectLst/>
+              <a:latin typeface="Helvetica Neue"/>
+            </a:endParaRPr>
+          </a:p>
+        </p:txBody>
+      </p:sp>
+      <p:sp>
+        <p:nvSpPr>
+          <p:cNvPr id="35" name="TextBox 34">
+            <a:extLst>
+              <a:ext uri="{FF2B5EF4-FFF2-40B4-BE49-F238E27FC236}">
+                <a16:creationId xmlns:a16="http://schemas.microsoft.com/office/drawing/2014/main" id="{E6ADE34D-DC26-6101-3118-E5497D5B26C5}"/>
+              </a:ext>
+            </a:extLst>
+          </p:cNvPr>
+          <p:cNvSpPr txBox="1"/>
+          <p:nvPr/>
+        </p:nvSpPr>
+        <p:spPr>
+          <a:xfrm>
+            <a:off x="5082655" y="2835278"/>
+            <a:ext cx="534177" cy="369332"/>
+          </a:xfrm>
+          <a:prstGeom prst="rect">
+            <a:avLst/>
+          </a:prstGeom>
+          <a:noFill/>
+        </p:spPr>
+        <p:txBody>
+          <a:bodyPr wrap="square">
+            <a:spAutoFit/>
+          </a:bodyPr>
+          <a:lstStyle/>
+          <a:p>
+            <a:pPr algn="l" fontAlgn="base"/>
+            <a:r>
+              <a:rPr lang="en-GB" b="0" i="0" u="none" strike="noStrike" dirty="0">
+                <a:solidFill>
+                  <a:srgbClr val="2458A1"/>
+                </a:solidFill>
+                <a:effectLst/>
+                <a:latin typeface="Apple Color Emoji"/>
+                <a:hlinkClick r:id="rId2"/>
+              </a:rPr>
+              <a:t>🏠</a:t>
+            </a:r>
+            <a:endParaRPr lang="en-GB" b="0" i="0" dirty="0">
+              <a:solidFill>
+                <a:srgbClr val="000000"/>
+              </a:solidFill>
+              <a:effectLst/>
+              <a:latin typeface="Helvetica Neue"/>
+            </a:endParaRPr>
+          </a:p>
+        </p:txBody>
+      </p:sp>
+      <p:sp>
+        <p:nvSpPr>
+          <p:cNvPr id="37" name="TextBox 36">
+            <a:extLst>
+              <a:ext uri="{FF2B5EF4-FFF2-40B4-BE49-F238E27FC236}">
+                <a16:creationId xmlns:a16="http://schemas.microsoft.com/office/drawing/2014/main" id="{4D7A2765-D51E-51A5-36FE-C1E800EE0BA1}"/>
+              </a:ext>
+            </a:extLst>
+          </p:cNvPr>
+          <p:cNvSpPr txBox="1"/>
+          <p:nvPr/>
+        </p:nvSpPr>
+        <p:spPr>
+          <a:xfrm>
+            <a:off x="5924217" y="3221145"/>
+            <a:ext cx="608814" cy="369332"/>
+          </a:xfrm>
+          <a:prstGeom prst="rect">
+            <a:avLst/>
+          </a:prstGeom>
+          <a:noFill/>
+        </p:spPr>
+        <p:txBody>
+          <a:bodyPr wrap="square">
+            <a:spAutoFit/>
+          </a:bodyPr>
+          <a:lstStyle/>
+          <a:p>
+            <a:pPr algn="l" fontAlgn="base"/>
+            <a:r>
+              <a:rPr lang="en-GB" b="0" i="0" u="none" strike="noStrike">
+                <a:solidFill>
+                  <a:srgbClr val="2458A1"/>
+                </a:solidFill>
+                <a:effectLst/>
+                <a:latin typeface="Apple Color Emoji"/>
+                <a:hlinkClick r:id="rId3"/>
+              </a:rPr>
+              <a:t>🏡</a:t>
+            </a:r>
+            <a:endParaRPr lang="en-GB" b="0" i="0" dirty="0">
+              <a:solidFill>
+                <a:srgbClr val="000000"/>
+              </a:solidFill>
+              <a:effectLst/>
+              <a:latin typeface="Helvetica Neue"/>
+            </a:endParaRPr>
+          </a:p>
+        </p:txBody>
+      </p:sp>
+      <p:sp>
+        <p:nvSpPr>
+          <p:cNvPr id="38" name="TextBox 37">
+            <a:extLst>
+              <a:ext uri="{FF2B5EF4-FFF2-40B4-BE49-F238E27FC236}">
+                <a16:creationId xmlns:a16="http://schemas.microsoft.com/office/drawing/2014/main" id="{63F38B93-948A-F155-0227-989485CB857A}"/>
+              </a:ext>
+            </a:extLst>
+          </p:cNvPr>
+          <p:cNvSpPr txBox="1"/>
+          <p:nvPr/>
+        </p:nvSpPr>
+        <p:spPr>
+          <a:xfrm>
+            <a:off x="6379048" y="2513399"/>
+            <a:ext cx="468863" cy="369332"/>
+          </a:xfrm>
+          <a:prstGeom prst="rect">
+            <a:avLst/>
+          </a:prstGeom>
+          <a:noFill/>
+        </p:spPr>
+        <p:txBody>
+          <a:bodyPr wrap="square">
+            <a:spAutoFit/>
+          </a:bodyPr>
+          <a:lstStyle/>
+          <a:p>
+            <a:pPr algn="l" fontAlgn="base"/>
+            <a:r>
+              <a:rPr lang="en-GB" b="0" i="0" u="none" strike="noStrike" dirty="0">
+                <a:solidFill>
+                  <a:srgbClr val="2458A1"/>
+                </a:solidFill>
+                <a:effectLst/>
+                <a:latin typeface="Apple Color Emoji"/>
+                <a:hlinkClick r:id="rId4"/>
+              </a:rPr>
+              <a:t>🏚️</a:t>
+            </a:r>
+            <a:endParaRPr lang="en-GB" b="0" i="0" dirty="0">
+              <a:solidFill>
+                <a:srgbClr val="000000"/>
+              </a:solidFill>
+              <a:effectLst/>
+              <a:latin typeface="Helvetica Neue"/>
+            </a:endParaRPr>
+          </a:p>
+        </p:txBody>
+      </p:sp>
+      <p:sp>
+        <p:nvSpPr>
+          <p:cNvPr id="41" name="TextBox 40">
+            <a:extLst>
+              <a:ext uri="{FF2B5EF4-FFF2-40B4-BE49-F238E27FC236}">
+                <a16:creationId xmlns:a16="http://schemas.microsoft.com/office/drawing/2014/main" id="{7223DD23-FD2A-89BE-3DC4-42A81AF4A5AD}"/>
+              </a:ext>
+            </a:extLst>
+          </p:cNvPr>
+          <p:cNvSpPr txBox="1"/>
+          <p:nvPr/>
+        </p:nvSpPr>
+        <p:spPr>
+          <a:xfrm>
+            <a:off x="3821643" y="2647158"/>
+            <a:ext cx="468863" cy="369332"/>
+          </a:xfrm>
+          <a:prstGeom prst="rect">
+            <a:avLst/>
+          </a:prstGeom>
+          <a:noFill/>
+        </p:spPr>
+        <p:txBody>
+          <a:bodyPr wrap="square">
+            <a:spAutoFit/>
+          </a:bodyPr>
+          <a:lstStyle/>
+          <a:p>
+            <a:pPr algn="l" fontAlgn="base"/>
+            <a:r>
+              <a:rPr lang="en-GB" b="0" i="0" u="none" strike="noStrike" dirty="0">
+                <a:solidFill>
+                  <a:srgbClr val="2458A1"/>
+                </a:solidFill>
+                <a:effectLst/>
+                <a:latin typeface="Apple Color Emoji"/>
+                <a:hlinkClick r:id="rId5"/>
+              </a:rPr>
+              <a:t>🏣</a:t>
+            </a:r>
+            <a:endParaRPr lang="en-GB" b="0" i="0" dirty="0">
+              <a:solidFill>
+                <a:srgbClr val="000000"/>
+              </a:solidFill>
+              <a:effectLst/>
+              <a:latin typeface="Helvetica Neue"/>
+            </a:endParaRPr>
+          </a:p>
+        </p:txBody>
+      </p:sp>
+      <p:sp>
+        <p:nvSpPr>
+          <p:cNvPr id="42" name="TextBox 41">
+            <a:extLst>
+              <a:ext uri="{FF2B5EF4-FFF2-40B4-BE49-F238E27FC236}">
+                <a16:creationId xmlns:a16="http://schemas.microsoft.com/office/drawing/2014/main" id="{05A7AA5E-C878-BFC5-8890-BD3F88680397}"/>
+              </a:ext>
+            </a:extLst>
+          </p:cNvPr>
+          <p:cNvSpPr txBox="1"/>
+          <p:nvPr/>
+        </p:nvSpPr>
+        <p:spPr>
+          <a:xfrm>
+            <a:off x="5089358" y="2184225"/>
+            <a:ext cx="513183" cy="369332"/>
+          </a:xfrm>
+          <a:prstGeom prst="rect">
+            <a:avLst/>
+          </a:prstGeom>
+          <a:noFill/>
+        </p:spPr>
+        <p:txBody>
+          <a:bodyPr wrap="square">
+            <a:spAutoFit/>
+          </a:bodyPr>
+          <a:lstStyle/>
+          <a:p>
+            <a:pPr algn="l" fontAlgn="base"/>
+            <a:r>
+              <a:rPr lang="en-GB" b="0" i="0" u="none" strike="noStrike" dirty="0">
+                <a:solidFill>
+                  <a:srgbClr val="2458A1"/>
+                </a:solidFill>
+                <a:effectLst/>
+                <a:latin typeface="Apple Color Emoji"/>
+                <a:hlinkClick r:id="rId6"/>
+              </a:rPr>
+              <a:t>🏛️</a:t>
+            </a:r>
+            <a:endParaRPr lang="en-GB" b="0" i="0" dirty="0">
+              <a:solidFill>
+                <a:srgbClr val="000000"/>
+              </a:solidFill>
+              <a:effectLst/>
+              <a:latin typeface="Helvetica Neue"/>
+            </a:endParaRPr>
+          </a:p>
+        </p:txBody>
+      </p:sp>
     </p:spTree>
     <p:extLst>
       <p:ext uri="{BB962C8B-B14F-4D97-AF65-F5344CB8AC3E}">
@@ -4075,7 +4314,7 @@
           <a:noFill/>
           <a:ln w="19050">
             <a:solidFill>
-              <a:schemeClr val="tx1"/>
+              <a:srgbClr val="FF0000"/>
             </a:solidFill>
           </a:ln>
         </p:spPr>
@@ -4100,7 +4339,11 @@
           <a:lstStyle/>
           <a:p>
             <a:pPr algn="ctr"/>
-            <a:endParaRPr lang="en-GB" dirty="0"/>
+            <a:endParaRPr lang="en-GB" dirty="0">
+              <a:solidFill>
+                <a:srgbClr val="FF0000"/>
+              </a:solidFill>
+            </a:endParaRPr>
           </a:p>
         </p:txBody>
       </p:sp>
@@ -4127,7 +4370,7 @@
           <a:noFill/>
           <a:ln w="19050">
             <a:solidFill>
-              <a:schemeClr val="tx1"/>
+              <a:schemeClr val="accent6"/>
             </a:solidFill>
           </a:ln>
         </p:spPr>
@@ -4179,7 +4422,7 @@
           <a:noFill/>
           <a:ln w="19050">
             <a:solidFill>
-              <a:schemeClr val="tx1"/>
+              <a:schemeClr val="accent1"/>
             </a:solidFill>
           </a:ln>
         </p:spPr>
@@ -4237,7 +4480,11 @@
           <a:lstStyle/>
           <a:p>
             <a:r>
-              <a:rPr lang="en-GB" sz="2400" dirty="0"/>
+              <a:rPr lang="en-GB" sz="2400" dirty="0">
+                <a:solidFill>
+                  <a:srgbClr val="FF0000"/>
+                </a:solidFill>
+              </a:rPr>
               <a:t>B</a:t>
             </a:r>
           </a:p>
@@ -4272,7 +4519,11 @@
           <a:lstStyle/>
           <a:p>
             <a:r>
-              <a:rPr lang="en-GB" sz="2400" dirty="0"/>
+              <a:rPr lang="en-GB" sz="2400" dirty="0">
+                <a:solidFill>
+                  <a:schemeClr val="accent6"/>
+                </a:solidFill>
+              </a:rPr>
               <a:t>C</a:t>
             </a:r>
           </a:p>
@@ -4299,6 +4550,9 @@
             <a:avLst/>
           </a:prstGeom>
           <a:noFill/>
+          <a:ln>
+            <a:noFill/>
+          </a:ln>
         </p:spPr>
         <p:txBody>
           <a:bodyPr wrap="none" rtlCol="0">
@@ -4307,7 +4561,11 @@
           <a:lstStyle/>
           <a:p>
             <a:r>
-              <a:rPr lang="en-GB" sz="2400" dirty="0"/>
+              <a:rPr lang="en-GB" sz="2400" dirty="0">
+                <a:solidFill>
+                  <a:schemeClr val="accent5"/>
+                </a:solidFill>
+              </a:rPr>
               <a:t>A</a:t>
             </a:r>
           </a:p>
@@ -5012,21 +5270,6 @@
 </file>
 
 <file path=customXml/item1.xml><?xml version="1.0" encoding="utf-8"?>
-<p:properties xmlns:p="http://schemas.microsoft.com/office/2006/metadata/properties" xmlns:xsi="http://www.w3.org/2001/XMLSchema-instance" xmlns:pc="http://schemas.microsoft.com/office/infopath/2007/PartnerControls">
-  <documentManagement/>
-</p:properties>
-</file>
-
-<file path=customXml/item2.xml><?xml version="1.0" encoding="utf-8"?>
-<?mso-contentType ?>
-<FormTemplates xmlns="http://schemas.microsoft.com/sharepoint/v3/contenttype/forms">
-  <Display>DocumentLibraryForm</Display>
-  <Edit>DocumentLibraryForm</Edit>
-  <New>DocumentLibraryForm</New>
-</FormTemplates>
-</file>
-
-<file path=customXml/item3.xml><?xml version="1.0" encoding="utf-8"?>
 <ct:contentTypeSchema xmlns:ct="http://schemas.microsoft.com/office/2006/metadata/contentType" xmlns:ma="http://schemas.microsoft.com/office/2006/metadata/properties/metaAttributes" ct:_="" ma:_="" ma:contentTypeName="Document" ma:contentTypeID="0x0101009A7A3254472B7743B56CB49630D01904" ma:contentTypeVersion="14" ma:contentTypeDescription="Create a new document." ma:contentTypeScope="" ma:versionID="ac03c554048867ca0c89d9ff28051d60">
   <xsd:schema xmlns:xsd="http://www.w3.org/2001/XMLSchema" xmlns:xs="http://www.w3.org/2001/XMLSchema" xmlns:p="http://schemas.microsoft.com/office/2006/metadata/properties" xmlns:ns3="94f4b94a-9733-4c08-8763-b9647bde53ae" xmlns:ns4="21dbc7fe-5616-48b9-8043-76aecefb0866" targetNamespace="http://schemas.microsoft.com/office/2006/metadata/properties" ma:root="true" ma:fieldsID="19dff1999bfb90a30a864a8da0aeb450" ns3:_="" ns4:_="">
     <xsd:import namespace="94f4b94a-9733-4c08-8763-b9647bde53ae"/>
@@ -5255,32 +5498,22 @@
 </ct:contentTypeSchema>
 </file>
 
-<file path=customXml/itemProps1.xml><?xml version="1.0" encoding="utf-8"?>
-<ds:datastoreItem xmlns:ds="http://schemas.openxmlformats.org/officeDocument/2006/customXml" ds:itemID="{B720A16F-7F54-4A9E-AE2E-1023CF1DA53C}">
-  <ds:schemaRefs>
-    <ds:schemaRef ds:uri="http://purl.org/dc/elements/1.1/"/>
-    <ds:schemaRef ds:uri="http://www.w3.org/XML/1998/namespace"/>
-    <ds:schemaRef ds:uri="94f4b94a-9733-4c08-8763-b9647bde53ae"/>
-    <ds:schemaRef ds:uri="http://schemas.microsoft.com/office/infopath/2007/PartnerControls"/>
-    <ds:schemaRef ds:uri="http://schemas.microsoft.com/office/2006/metadata/properties"/>
-    <ds:schemaRef ds:uri="http://purl.org/dc/dcmitype/"/>
-    <ds:schemaRef ds:uri="http://purl.org/dc/terms/"/>
-    <ds:schemaRef ds:uri="http://schemas.microsoft.com/office/2006/documentManagement/types"/>
-    <ds:schemaRef ds:uri="http://schemas.openxmlformats.org/package/2006/metadata/core-properties"/>
-    <ds:schemaRef ds:uri="21dbc7fe-5616-48b9-8043-76aecefb0866"/>
-  </ds:schemaRefs>
-</ds:datastoreItem>
+<file path=customXml/item2.xml><?xml version="1.0" encoding="utf-8"?>
+<?mso-contentType ?>
+<FormTemplates xmlns="http://schemas.microsoft.com/sharepoint/v3/contenttype/forms">
+  <Display>DocumentLibraryForm</Display>
+  <Edit>DocumentLibraryForm</Edit>
+  <New>DocumentLibraryForm</New>
+</FormTemplates>
 </file>
 
-<file path=customXml/itemProps2.xml><?xml version="1.0" encoding="utf-8"?>
-<ds:datastoreItem xmlns:ds="http://schemas.openxmlformats.org/officeDocument/2006/customXml" ds:itemID="{F80421F8-1F92-46F6-B3D2-8269B352E236}">
-  <ds:schemaRefs>
-    <ds:schemaRef ds:uri="http://schemas.microsoft.com/sharepoint/v3/contenttype/forms"/>
-  </ds:schemaRefs>
-</ds:datastoreItem>
+<file path=customXml/item3.xml><?xml version="1.0" encoding="utf-8"?>
+<p:properties xmlns:p="http://schemas.microsoft.com/office/2006/metadata/properties" xmlns:xsi="http://www.w3.org/2001/XMLSchema-instance" xmlns:pc="http://schemas.microsoft.com/office/infopath/2007/PartnerControls">
+  <documentManagement/>
+</p:properties>
 </file>
 
-<file path=customXml/itemProps3.xml><?xml version="1.0" encoding="utf-8"?>
+<file path=customXml/itemProps1.xml><?xml version="1.0" encoding="utf-8"?>
 <ds:datastoreItem xmlns:ds="http://schemas.openxmlformats.org/officeDocument/2006/customXml" ds:itemID="{FF35D5F9-0603-4AB0-9CA1-5972F3EBD4C3}">
   <ds:schemaRefs>
     <ds:schemaRef ds:uri="http://schemas.microsoft.com/office/2006/metadata/contentType"/>
@@ -5297,4 +5530,29 @@
     <ds:schemaRef ds:uri="http://schemas.microsoft.com/internal/obd"/>
   </ds:schemaRefs>
 </ds:datastoreItem>
+</file>
+
+<file path=customXml/itemProps2.xml><?xml version="1.0" encoding="utf-8"?>
+<ds:datastoreItem xmlns:ds="http://schemas.openxmlformats.org/officeDocument/2006/customXml" ds:itemID="{F80421F8-1F92-46F6-B3D2-8269B352E236}">
+  <ds:schemaRefs>
+    <ds:schemaRef ds:uri="http://schemas.microsoft.com/sharepoint/v3/contenttype/forms"/>
+  </ds:schemaRefs>
+</ds:datastoreItem>
+</file>
+
+<file path=customXml/itemProps3.xml><?xml version="1.0" encoding="utf-8"?>
+<ds:datastoreItem xmlns:ds="http://schemas.openxmlformats.org/officeDocument/2006/customXml" ds:itemID="{B720A16F-7F54-4A9E-AE2E-1023CF1DA53C}">
+  <ds:schemaRefs>
+    <ds:schemaRef ds:uri="http://purl.org/dc/elements/1.1/"/>
+    <ds:schemaRef ds:uri="http://www.w3.org/XML/1998/namespace"/>
+    <ds:schemaRef ds:uri="94f4b94a-9733-4c08-8763-b9647bde53ae"/>
+    <ds:schemaRef ds:uri="http://schemas.microsoft.com/office/infopath/2007/PartnerControls"/>
+    <ds:schemaRef ds:uri="http://schemas.microsoft.com/office/2006/metadata/properties"/>
+    <ds:schemaRef ds:uri="http://purl.org/dc/dcmitype/"/>
+    <ds:schemaRef ds:uri="http://purl.org/dc/terms/"/>
+    <ds:schemaRef ds:uri="http://schemas.microsoft.com/office/2006/documentManagement/types"/>
+    <ds:schemaRef ds:uri="http://schemas.openxmlformats.org/package/2006/metadata/core-properties"/>
+    <ds:schemaRef ds:uri="21dbc7fe-5616-48b9-8043-76aecefb0866"/>
+  </ds:schemaRefs>
+</ds:datastoreItem>
 </file>